--- a/Thesis/ChapterX_Ribosomes/2017_07_06_Ribosomes.pptx
+++ b/Thesis/ChapterX_Ribosomes/2017_07_06_Ribosomes.pptx
@@ -120,6 +120,22 @@
       </a:defRPr>
     </a:lvl9pPr>
   </p:defaultTextStyle>
+  <p:extLst>
+    <p:ext uri="{EFAFB233-063F-42B5-8137-9DF3F51BA10A}">
+      <p15:sldGuideLst xmlns:p15="http://schemas.microsoft.com/office/powerpoint/2012/main">
+        <p15:guide id="1" orient="horz" pos="2160">
+          <p15:clr>
+            <a:srgbClr val="A4A3A4"/>
+          </p15:clr>
+        </p15:guide>
+        <p15:guide id="2" pos="2880">
+          <p15:clr>
+            <a:srgbClr val="A4A3A4"/>
+          </p15:clr>
+        </p15:guide>
+      </p15:sldGuideLst>
+    </p:ext>
+  </p:extLst>
 </p:presentation>
 </file>
 
@@ -205,7 +221,7 @@
           <a:p>
             <a:fld id="{DE3FC6BF-5720-4692-BC6E-339B7C49B101}" type="datetimeFigureOut">
               <a:rPr lang="en-US" smtClean="0"/>
-              <a:t>7/6/2017</a:t>
+              <a:t>5/7/2018</a:t>
             </a:fld>
             <a:endParaRPr lang="en-US"/>
           </a:p>
@@ -364,7 +380,7 @@
           <a:p>
             <a:fld id="{670822B6-192B-4D8B-B7CC-49E0E057E5BE}" type="slidenum">
               <a:rPr lang="en-US" smtClean="0"/>
-              <a:t>‹#›</a:t>
+              <a:t>‹nr.›</a:t>
             </a:fld>
             <a:endParaRPr lang="en-US"/>
           </a:p>
@@ -2202,7 +2218,7 @@
           <a:p>
             <a:fld id="{BE3875F3-B30E-4BD6-BB49-53429873F92D}" type="datetimeFigureOut">
               <a:rPr lang="en-US" smtClean="0"/>
-              <a:t>7/6/2017</a:t>
+              <a:t>5/7/2018</a:t>
             </a:fld>
             <a:endParaRPr lang="en-US"/>
           </a:p>
@@ -2244,7 +2260,7 @@
           <a:p>
             <a:fld id="{D23160A5-1CE7-4FD4-938D-3A34A7DAE53A}" type="slidenum">
               <a:rPr lang="en-US" smtClean="0"/>
-              <a:t>‹#›</a:t>
+              <a:t>‹nr.›</a:t>
             </a:fld>
             <a:endParaRPr lang="en-US"/>
           </a:p>
@@ -2372,7 +2388,7 @@
           <a:p>
             <a:fld id="{BE3875F3-B30E-4BD6-BB49-53429873F92D}" type="datetimeFigureOut">
               <a:rPr lang="en-US" smtClean="0"/>
-              <a:t>7/6/2017</a:t>
+              <a:t>5/7/2018</a:t>
             </a:fld>
             <a:endParaRPr lang="en-US"/>
           </a:p>
@@ -2414,7 +2430,7 @@
           <a:p>
             <a:fld id="{D23160A5-1CE7-4FD4-938D-3A34A7DAE53A}" type="slidenum">
               <a:rPr lang="en-US" smtClean="0"/>
-              <a:t>‹#›</a:t>
+              <a:t>‹nr.›</a:t>
             </a:fld>
             <a:endParaRPr lang="en-US"/>
           </a:p>
@@ -2552,7 +2568,7 @@
           <a:p>
             <a:fld id="{BE3875F3-B30E-4BD6-BB49-53429873F92D}" type="datetimeFigureOut">
               <a:rPr lang="en-US" smtClean="0"/>
-              <a:t>7/6/2017</a:t>
+              <a:t>5/7/2018</a:t>
             </a:fld>
             <a:endParaRPr lang="en-US"/>
           </a:p>
@@ -2594,7 +2610,7 @@
           <a:p>
             <a:fld id="{D23160A5-1CE7-4FD4-938D-3A34A7DAE53A}" type="slidenum">
               <a:rPr lang="en-US" smtClean="0"/>
-              <a:t>‹#›</a:t>
+              <a:t>‹nr.›</a:t>
             </a:fld>
             <a:endParaRPr lang="en-US"/>
           </a:p>
@@ -2722,7 +2738,7 @@
           <a:p>
             <a:fld id="{BE3875F3-B30E-4BD6-BB49-53429873F92D}" type="datetimeFigureOut">
               <a:rPr lang="en-US" smtClean="0"/>
-              <a:t>7/6/2017</a:t>
+              <a:t>5/7/2018</a:t>
             </a:fld>
             <a:endParaRPr lang="en-US"/>
           </a:p>
@@ -2764,7 +2780,7 @@
           <a:p>
             <a:fld id="{D23160A5-1CE7-4FD4-938D-3A34A7DAE53A}" type="slidenum">
               <a:rPr lang="en-US" smtClean="0"/>
-              <a:t>‹#›</a:t>
+              <a:t>‹nr.›</a:t>
             </a:fld>
             <a:endParaRPr lang="en-US"/>
           </a:p>
@@ -2968,7 +2984,7 @@
           <a:p>
             <a:fld id="{BE3875F3-B30E-4BD6-BB49-53429873F92D}" type="datetimeFigureOut">
               <a:rPr lang="en-US" smtClean="0"/>
-              <a:t>7/6/2017</a:t>
+              <a:t>5/7/2018</a:t>
             </a:fld>
             <a:endParaRPr lang="en-US"/>
           </a:p>
@@ -3010,7 +3026,7 @@
           <a:p>
             <a:fld id="{D23160A5-1CE7-4FD4-938D-3A34A7DAE53A}" type="slidenum">
               <a:rPr lang="en-US" smtClean="0"/>
-              <a:t>‹#›</a:t>
+              <a:t>‹nr.›</a:t>
             </a:fld>
             <a:endParaRPr lang="en-US"/>
           </a:p>
@@ -3256,7 +3272,7 @@
           <a:p>
             <a:fld id="{BE3875F3-B30E-4BD6-BB49-53429873F92D}" type="datetimeFigureOut">
               <a:rPr lang="en-US" smtClean="0"/>
-              <a:t>7/6/2017</a:t>
+              <a:t>5/7/2018</a:t>
             </a:fld>
             <a:endParaRPr lang="en-US"/>
           </a:p>
@@ -3298,7 +3314,7 @@
           <a:p>
             <a:fld id="{D23160A5-1CE7-4FD4-938D-3A34A7DAE53A}" type="slidenum">
               <a:rPr lang="en-US" smtClean="0"/>
-              <a:t>‹#›</a:t>
+              <a:t>‹nr.›</a:t>
             </a:fld>
             <a:endParaRPr lang="en-US"/>
           </a:p>
@@ -3678,7 +3694,7 @@
           <a:p>
             <a:fld id="{BE3875F3-B30E-4BD6-BB49-53429873F92D}" type="datetimeFigureOut">
               <a:rPr lang="en-US" smtClean="0"/>
-              <a:t>7/6/2017</a:t>
+              <a:t>5/7/2018</a:t>
             </a:fld>
             <a:endParaRPr lang="en-US"/>
           </a:p>
@@ -3720,7 +3736,7 @@
           <a:p>
             <a:fld id="{D23160A5-1CE7-4FD4-938D-3A34A7DAE53A}" type="slidenum">
               <a:rPr lang="en-US" smtClean="0"/>
-              <a:t>‹#›</a:t>
+              <a:t>‹nr.›</a:t>
             </a:fld>
             <a:endParaRPr lang="en-US"/>
           </a:p>
@@ -3796,7 +3812,7 @@
           <a:p>
             <a:fld id="{BE3875F3-B30E-4BD6-BB49-53429873F92D}" type="datetimeFigureOut">
               <a:rPr lang="en-US" smtClean="0"/>
-              <a:t>7/6/2017</a:t>
+              <a:t>5/7/2018</a:t>
             </a:fld>
             <a:endParaRPr lang="en-US"/>
           </a:p>
@@ -3838,7 +3854,7 @@
           <a:p>
             <a:fld id="{D23160A5-1CE7-4FD4-938D-3A34A7DAE53A}" type="slidenum">
               <a:rPr lang="en-US" smtClean="0"/>
-              <a:t>‹#›</a:t>
+              <a:t>‹nr.›</a:t>
             </a:fld>
             <a:endParaRPr lang="en-US"/>
           </a:p>
@@ -3891,7 +3907,7 @@
           <a:p>
             <a:fld id="{BE3875F3-B30E-4BD6-BB49-53429873F92D}" type="datetimeFigureOut">
               <a:rPr lang="en-US" smtClean="0"/>
-              <a:t>7/6/2017</a:t>
+              <a:t>5/7/2018</a:t>
             </a:fld>
             <a:endParaRPr lang="en-US"/>
           </a:p>
@@ -3933,7 +3949,7 @@
           <a:p>
             <a:fld id="{D23160A5-1CE7-4FD4-938D-3A34A7DAE53A}" type="slidenum">
               <a:rPr lang="en-US" smtClean="0"/>
-              <a:t>‹#›</a:t>
+              <a:t>‹nr.›</a:t>
             </a:fld>
             <a:endParaRPr lang="en-US"/>
           </a:p>
@@ -4168,7 +4184,7 @@
           <a:p>
             <a:fld id="{BE3875F3-B30E-4BD6-BB49-53429873F92D}" type="datetimeFigureOut">
               <a:rPr lang="en-US" smtClean="0"/>
-              <a:t>7/6/2017</a:t>
+              <a:t>5/7/2018</a:t>
             </a:fld>
             <a:endParaRPr lang="en-US"/>
           </a:p>
@@ -4210,7 +4226,7 @@
           <a:p>
             <a:fld id="{D23160A5-1CE7-4FD4-938D-3A34A7DAE53A}" type="slidenum">
               <a:rPr lang="en-US" smtClean="0"/>
-              <a:t>‹#›</a:t>
+              <a:t>‹nr.›</a:t>
             </a:fld>
             <a:endParaRPr lang="en-US"/>
           </a:p>
@@ -4421,7 +4437,7 @@
           <a:p>
             <a:fld id="{BE3875F3-B30E-4BD6-BB49-53429873F92D}" type="datetimeFigureOut">
               <a:rPr lang="en-US" smtClean="0"/>
-              <a:t>7/6/2017</a:t>
+              <a:t>5/7/2018</a:t>
             </a:fld>
             <a:endParaRPr lang="en-US"/>
           </a:p>
@@ -4463,7 +4479,7 @@
           <a:p>
             <a:fld id="{D23160A5-1CE7-4FD4-938D-3A34A7DAE53A}" type="slidenum">
               <a:rPr lang="en-US" smtClean="0"/>
-              <a:t>‹#›</a:t>
+              <a:t>‹nr.›</a:t>
             </a:fld>
             <a:endParaRPr lang="en-US"/>
           </a:p>
@@ -4634,7 +4650,7 @@
           <a:p>
             <a:fld id="{BE3875F3-B30E-4BD6-BB49-53429873F92D}" type="datetimeFigureOut">
               <a:rPr lang="en-US" smtClean="0"/>
-              <a:t>7/6/2017</a:t>
+              <a:t>5/7/2018</a:t>
             </a:fld>
             <a:endParaRPr lang="en-US"/>
           </a:p>
@@ -4712,7 +4728,7 @@
           <a:p>
             <a:fld id="{D23160A5-1CE7-4FD4-938D-3A34A7DAE53A}" type="slidenum">
               <a:rPr lang="en-US" smtClean="0"/>
-              <a:t>‹#›</a:t>
+              <a:t>‹nr.›</a:t>
             </a:fld>
             <a:endParaRPr lang="en-US"/>
           </a:p>
@@ -7338,7 +7354,7 @@
         </p:nvCxnSpPr>
         <p:spPr>
           <a:xfrm>
-            <a:off x="7130354" y="188640"/>
+            <a:off x="7130354" y="-171400"/>
             <a:ext cx="0" cy="859429"/>
           </a:xfrm>
           <a:prstGeom prst="straightConnector1">
